--- a/Report/Traffic sign detection.pptx
+++ b/Report/Traffic sign detection.pptx
@@ -12,6 +12,7 @@
     <p:sldId id="258" r:id="rId6"/>
     <p:sldId id="261" r:id="rId7"/>
     <p:sldId id="262" r:id="rId8"/>
+    <p:sldId id="263" r:id="rId9"/>
   </p:sldIdLst>
   <p:sldSz cx="12192000" cy="6858000"/>
   <p:notesSz cx="6858000" cy="9144000"/>
@@ -110,6 +111,11 @@
       </a:defRPr>
     </a:lvl9pPr>
   </p:defaultTextStyle>
+  <p:extLst>
+    <p:ext uri="{EFAFB233-063F-42B5-8137-9DF3F51BA10A}">
+      <p15:sldGuideLst xmlns:p15="http://schemas.microsoft.com/office/powerpoint/2012/main"/>
+    </p:ext>
+  </p:extLst>
 </p:presentation>
 </file>
 
@@ -358,7 +364,7 @@
           <a:p>
             <a:fld id="{91AE107D-23D3-4A4C-A969-3F0D1ACF0E64}" type="datetimeFigureOut">
               <a:rPr lang="en-150" smtClean="0"/>
-              <a:t>12/12/2023</a:t>
+              <a:t>01/15/2024</a:t>
             </a:fld>
             <a:endParaRPr lang="en-150"/>
           </a:p>
@@ -620,7 +626,7 @@
           <a:p>
             <a:fld id="{91AE107D-23D3-4A4C-A969-3F0D1ACF0E64}" type="datetimeFigureOut">
               <a:rPr lang="en-150" smtClean="0"/>
-              <a:t>12/12/2023</a:t>
+              <a:t>01/15/2024</a:t>
             </a:fld>
             <a:endParaRPr lang="en-150"/>
           </a:p>
@@ -855,7 +861,7 @@
           <a:p>
             <a:fld id="{91AE107D-23D3-4A4C-A969-3F0D1ACF0E64}" type="datetimeFigureOut">
               <a:rPr lang="en-150" smtClean="0"/>
-              <a:t>12/12/2023</a:t>
+              <a:t>01/15/2024</a:t>
             </a:fld>
             <a:endParaRPr lang="en-150"/>
           </a:p>
@@ -1095,7 +1101,7 @@
           <a:p>
             <a:fld id="{91AE107D-23D3-4A4C-A969-3F0D1ACF0E64}" type="datetimeFigureOut">
               <a:rPr lang="en-150" smtClean="0"/>
-              <a:t>12/12/2023</a:t>
+              <a:t>01/15/2024</a:t>
             </a:fld>
             <a:endParaRPr lang="en-150"/>
           </a:p>
@@ -1402,7 +1408,7 @@
           <a:p>
             <a:fld id="{91AE107D-23D3-4A4C-A969-3F0D1ACF0E64}" type="datetimeFigureOut">
               <a:rPr lang="en-150" smtClean="0"/>
-              <a:t>12/12/2023</a:t>
+              <a:t>01/15/2024</a:t>
             </a:fld>
             <a:endParaRPr lang="en-150"/>
           </a:p>
@@ -1704,7 +1710,7 @@
           <a:p>
             <a:fld id="{91AE107D-23D3-4A4C-A969-3F0D1ACF0E64}" type="datetimeFigureOut">
               <a:rPr lang="en-150" smtClean="0"/>
-              <a:t>12/12/2023</a:t>
+              <a:t>01/15/2024</a:t>
             </a:fld>
             <a:endParaRPr lang="en-150"/>
           </a:p>
@@ -2126,7 +2132,7 @@
           <a:p>
             <a:fld id="{91AE107D-23D3-4A4C-A969-3F0D1ACF0E64}" type="datetimeFigureOut">
               <a:rPr lang="en-150" smtClean="0"/>
-              <a:t>12/12/2023</a:t>
+              <a:t>01/15/2024</a:t>
             </a:fld>
             <a:endParaRPr lang="en-150"/>
           </a:p>
@@ -2288,7 +2294,7 @@
           <a:p>
             <a:fld id="{91AE107D-23D3-4A4C-A969-3F0D1ACF0E64}" type="datetimeFigureOut">
               <a:rPr lang="en-150" smtClean="0"/>
-              <a:t>12/12/2023</a:t>
+              <a:t>01/15/2024</a:t>
             </a:fld>
             <a:endParaRPr lang="en-150"/>
           </a:p>
@@ -2383,7 +2389,7 @@
           <a:p>
             <a:fld id="{91AE107D-23D3-4A4C-A969-3F0D1ACF0E64}" type="datetimeFigureOut">
               <a:rPr lang="en-150" smtClean="0"/>
-              <a:t>12/12/2023</a:t>
+              <a:t>01/15/2024</a:t>
             </a:fld>
             <a:endParaRPr lang="en-150"/>
           </a:p>
@@ -2761,7 +2767,7 @@
           <a:p>
             <a:fld id="{91AE107D-23D3-4A4C-A969-3F0D1ACF0E64}" type="datetimeFigureOut">
               <a:rPr lang="en-150" smtClean="0"/>
-              <a:t>12/12/2023</a:t>
+              <a:t>01/15/2024</a:t>
             </a:fld>
             <a:endParaRPr lang="en-150"/>
           </a:p>
@@ -3050,7 +3056,7 @@
           <a:p>
             <a:fld id="{91AE107D-23D3-4A4C-A969-3F0D1ACF0E64}" type="datetimeFigureOut">
               <a:rPr lang="en-150" smtClean="0"/>
-              <a:t>12/12/2023</a:t>
+              <a:t>01/15/2024</a:t>
             </a:fld>
             <a:endParaRPr lang="en-150"/>
           </a:p>
@@ -3261,7 +3267,7 @@
           <a:p>
             <a:fld id="{91AE107D-23D3-4A4C-A969-3F0D1ACF0E64}" type="datetimeFigureOut">
               <a:rPr lang="en-150" smtClean="0"/>
-              <a:t>12/12/2023</a:t>
+              <a:t>01/15/2024</a:t>
             </a:fld>
             <a:endParaRPr lang="en-150"/>
           </a:p>
@@ -3907,16 +3913,85 @@
             <p:ph type="subTitle" idx="1"/>
           </p:nvPr>
         </p:nvSpPr>
-        <p:spPr/>
-        <p:txBody>
-          <a:bodyPr/>
+        <p:spPr>
+          <a:xfrm>
+            <a:off x="467641" y="3493516"/>
+            <a:ext cx="10993546" cy="590321"/>
+          </a:xfrm>
+        </p:spPr>
+        <p:txBody>
+          <a:bodyPr>
+            <a:noAutofit/>
+          </a:bodyPr>
           <a:lstStyle/>
           <a:p>
-            <a:r>
-              <a:rPr lang="en-US" dirty="0"/>
-              <a:t>Scooby-doo team</a:t>
-            </a:r>
-            <a:endParaRPr lang="en-150" dirty="0"/>
+            <a:pPr algn="r"/>
+            <a:r>
+              <a:rPr lang="en-US" sz="2000" dirty="0">
+                <a:solidFill>
+                  <a:schemeClr val="bg1">
+                    <a:lumMod val="95000"/>
+                  </a:schemeClr>
+                </a:solidFill>
+              </a:rPr>
+              <a:t>Names: EBANCA Stefan</a:t>
+            </a:r>
+          </a:p>
+          <a:p>
+            <a:pPr algn="r"/>
+            <a:r>
+              <a:rPr lang="en-US" sz="2000" dirty="0">
+                <a:solidFill>
+                  <a:schemeClr val="bg1">
+                    <a:lumMod val="95000"/>
+                  </a:schemeClr>
+                </a:solidFill>
+              </a:rPr>
+              <a:t>Gabor Raul</a:t>
+            </a:r>
+          </a:p>
+          <a:p>
+            <a:pPr algn="r"/>
+            <a:r>
+              <a:rPr lang="en-US" sz="2000" dirty="0" err="1">
+                <a:solidFill>
+                  <a:schemeClr val="bg1">
+                    <a:lumMod val="95000"/>
+                  </a:schemeClr>
+                </a:solidFill>
+              </a:rPr>
+              <a:t>Cadar</a:t>
+            </a:r>
+            <a:r>
+              <a:rPr lang="en-US" sz="2000" dirty="0">
+                <a:solidFill>
+                  <a:schemeClr val="bg1">
+                    <a:lumMod val="95000"/>
+                  </a:schemeClr>
+                </a:solidFill>
+              </a:rPr>
+              <a:t> Damian</a:t>
+            </a:r>
+          </a:p>
+          <a:p>
+            <a:pPr algn="r"/>
+            <a:r>
+              <a:rPr lang="en-US" sz="2000" dirty="0">
+                <a:solidFill>
+                  <a:schemeClr val="bg1">
+                    <a:lumMod val="95000"/>
+                  </a:schemeClr>
+                </a:solidFill>
+              </a:rPr>
+              <a:t>Kohan Alexandru</a:t>
+            </a:r>
+            <a:endParaRPr lang="en-150" sz="2000" dirty="0">
+              <a:solidFill>
+                <a:schemeClr val="bg1">
+                  <a:lumMod val="95000"/>
+                </a:schemeClr>
+              </a:solidFill>
+            </a:endParaRPr>
           </a:p>
         </p:txBody>
       </p:sp>
@@ -4000,7 +4075,12 @@
             <p:ph idx="1"/>
           </p:nvPr>
         </p:nvSpPr>
-        <p:spPr/>
+        <p:spPr>
+          <a:xfrm>
+            <a:off x="581192" y="1715956"/>
+            <a:ext cx="11029615" cy="3678303"/>
+          </a:xfrm>
+        </p:spPr>
         <p:txBody>
           <a:bodyPr>
             <a:normAutofit/>
@@ -4019,6 +4099,112 @@
           </a:p>
         </p:txBody>
       </p:sp>
+      <p:pic>
+        <p:nvPicPr>
+          <p:cNvPr id="7" name="Picture 6">
+            <a:extLst>
+              <a:ext uri="{FF2B5EF4-FFF2-40B4-BE49-F238E27FC236}">
+                <a16:creationId xmlns:a16="http://schemas.microsoft.com/office/drawing/2014/main" id="{53E5C211-4E5A-457A-1BB1-296BBF86806B}"/>
+              </a:ext>
+            </a:extLst>
+          </p:cNvPr>
+          <p:cNvPicPr>
+            <a:picLocks noChangeAspect="1"/>
+          </p:cNvPicPr>
+          <p:nvPr/>
+        </p:nvPicPr>
+        <p:blipFill>
+          <a:blip r:embed="rId2"/>
+          <a:stretch>
+            <a:fillRect/>
+          </a:stretch>
+        </p:blipFill>
+        <p:spPr>
+          <a:xfrm>
+            <a:off x="2049745" y="4717774"/>
+            <a:ext cx="1796698" cy="1796698"/>
+          </a:xfrm>
+          <a:prstGeom prst="rect">
+            <a:avLst/>
+          </a:prstGeom>
+        </p:spPr>
+      </p:pic>
+      <p:sp>
+        <p:nvSpPr>
+          <p:cNvPr id="8" name="Arrow: Right 7">
+            <a:extLst>
+              <a:ext uri="{FF2B5EF4-FFF2-40B4-BE49-F238E27FC236}">
+                <a16:creationId xmlns:a16="http://schemas.microsoft.com/office/drawing/2014/main" id="{D69C07DC-867A-FF32-F7E3-3FAF830A026F}"/>
+              </a:ext>
+            </a:extLst>
+          </p:cNvPr>
+          <p:cNvSpPr/>
+          <p:nvPr/>
+        </p:nvSpPr>
+        <p:spPr>
+          <a:xfrm>
+            <a:off x="5125214" y="5102601"/>
+            <a:ext cx="2365513" cy="1027043"/>
+          </a:xfrm>
+          <a:prstGeom prst="rightArrow">
+            <a:avLst/>
+          </a:prstGeom>
+        </p:spPr>
+        <p:style>
+          <a:lnRef idx="2">
+            <a:schemeClr val="accent1">
+              <a:shade val="15000"/>
+            </a:schemeClr>
+          </a:lnRef>
+          <a:fillRef idx="1">
+            <a:schemeClr val="accent1"/>
+          </a:fillRef>
+          <a:effectRef idx="0">
+            <a:schemeClr val="accent1"/>
+          </a:effectRef>
+          <a:fontRef idx="minor">
+            <a:schemeClr val="lt1"/>
+          </a:fontRef>
+        </p:style>
+        <p:txBody>
+          <a:bodyPr rtlCol="0" anchor="ctr"/>
+          <a:lstStyle/>
+          <a:p>
+            <a:pPr algn="ctr"/>
+            <a:endParaRPr lang="en-US"/>
+          </a:p>
+        </p:txBody>
+      </p:sp>
+      <p:pic>
+        <p:nvPicPr>
+          <p:cNvPr id="10" name="Picture 9">
+            <a:extLst>
+              <a:ext uri="{FF2B5EF4-FFF2-40B4-BE49-F238E27FC236}">
+                <a16:creationId xmlns:a16="http://schemas.microsoft.com/office/drawing/2014/main" id="{7DDC93D3-9AF5-8CA9-024E-17A1990E9ADD}"/>
+              </a:ext>
+            </a:extLst>
+          </p:cNvPr>
+          <p:cNvPicPr>
+            <a:picLocks noChangeAspect="1"/>
+          </p:cNvPicPr>
+          <p:nvPr/>
+        </p:nvPicPr>
+        <p:blipFill>
+          <a:blip r:embed="rId3"/>
+          <a:stretch>
+            <a:fillRect/>
+          </a:stretch>
+        </p:blipFill>
+        <p:spPr>
+          <a:xfrm>
+            <a:off x="8769498" y="4717774"/>
+            <a:ext cx="1799629" cy="1796698"/>
+          </a:xfrm>
+          <a:prstGeom prst="rect">
+            <a:avLst/>
+          </a:prstGeom>
+        </p:spPr>
+      </p:pic>
     </p:spTree>
     <p:extLst>
       <p:ext uri="{BB962C8B-B14F-4D97-AF65-F5344CB8AC3E}">
@@ -4593,13 +4779,20 @@
             <p:ph idx="1"/>
           </p:nvPr>
         </p:nvSpPr>
-        <p:spPr/>
-        <p:txBody>
-          <a:bodyPr/>
+        <p:spPr>
+          <a:xfrm>
+            <a:off x="502024" y="2169459"/>
+            <a:ext cx="6448611" cy="4052047"/>
+          </a:xfrm>
+        </p:spPr>
+        <p:txBody>
+          <a:bodyPr>
+            <a:normAutofit fontScale="92500" lnSpcReduction="10000"/>
+          </a:bodyPr>
           <a:lstStyle/>
           <a:p>
             <a:r>
-              <a:rPr lang="en-US" b="0" i="0" dirty="0">
+              <a:rPr lang="en-US" sz="1600" b="0" i="0" dirty="0">
                 <a:solidFill>
                   <a:srgbClr val="000000"/>
                 </a:solidFill>
@@ -4611,7 +4804,7 @@
           </a:p>
           <a:p>
             <a:r>
-              <a:rPr lang="en-US" b="0" i="0" dirty="0">
+              <a:rPr lang="en-US" sz="1600" b="0" i="0" dirty="0">
                 <a:solidFill>
                   <a:srgbClr val="000000"/>
                 </a:solidFill>
@@ -4623,7 +4816,7 @@
           </a:p>
           <a:p>
             <a:r>
-              <a:rPr lang="en-US" b="0" i="0" dirty="0">
+              <a:rPr lang="en-US" sz="1600" b="0" i="0" dirty="0">
                 <a:solidFill>
                   <a:srgbClr val="000000"/>
                 </a:solidFill>
@@ -4634,10 +4827,71 @@
             </a:r>
           </a:p>
           <a:p>
-            <a:endParaRPr lang="en-150" dirty="0"/>
-          </a:p>
-        </p:txBody>
-      </p:sp>
+            <a:r>
+              <a:rPr lang="en-US" sz="1600" dirty="0">
+                <a:solidFill>
+                  <a:srgbClr val="000000"/>
+                </a:solidFill>
+                <a:latin typeface="inherit"/>
+              </a:rPr>
+              <a:t>We built and trained the model ourselves using a dataset of 800 pictures of various traffic signs in different environments using YOLOv5.</a:t>
+            </a:r>
+          </a:p>
+          <a:p>
+            <a:pPr marL="285750" indent="-285750">
+              <a:buFont typeface="Arial" panose="020B0604020202020204" pitchFamily="34" charset="0"/>
+              <a:buChar char="•"/>
+            </a:pPr>
+            <a:r>
+              <a:rPr lang="en-US" sz="1600" dirty="0"/>
+              <a:t>Out of all the traffic signs the stop sign seems to be detected the best followed by the speed limit</a:t>
+            </a:r>
+          </a:p>
+          <a:p>
+            <a:pPr marL="285750" indent="-285750">
+              <a:buFont typeface="Arial" panose="020B0604020202020204" pitchFamily="34" charset="0"/>
+              <a:buChar char="•"/>
+            </a:pPr>
+            <a:r>
+              <a:rPr lang="en-US" sz="1600" dirty="0"/>
+              <a:t>Traffic light seems to be detected the worst having 0.48 accuracy</a:t>
+            </a:r>
+          </a:p>
+          <a:p>
+            <a:endParaRPr lang="en-150" sz="1600" dirty="0"/>
+          </a:p>
+        </p:txBody>
+      </p:sp>
+      <p:pic>
+        <p:nvPicPr>
+          <p:cNvPr id="5" name="Picture 4">
+            <a:extLst>
+              <a:ext uri="{FF2B5EF4-FFF2-40B4-BE49-F238E27FC236}">
+                <a16:creationId xmlns:a16="http://schemas.microsoft.com/office/drawing/2014/main" id="{C5551CAB-026C-B93B-D2FF-0D95D62DDDB5}"/>
+              </a:ext>
+            </a:extLst>
+          </p:cNvPr>
+          <p:cNvPicPr>
+            <a:picLocks noChangeAspect="1"/>
+          </p:cNvPicPr>
+          <p:nvPr/>
+        </p:nvPicPr>
+        <p:blipFill>
+          <a:blip r:embed="rId2"/>
+          <a:stretch>
+            <a:fillRect/>
+          </a:stretch>
+        </p:blipFill>
+        <p:spPr>
+          <a:xfrm>
+            <a:off x="7394301" y="2630555"/>
+            <a:ext cx="4534335" cy="2842591"/>
+          </a:xfrm>
+          <a:prstGeom prst="rect">
+            <a:avLst/>
+          </a:prstGeom>
+        </p:spPr>
+      </p:pic>
     </p:spTree>
     <p:extLst>
       <p:ext uri="{BB962C8B-B14F-4D97-AF65-F5344CB8AC3E}">
@@ -4691,7 +4945,7 @@
           <a:p>
             <a:r>
               <a:rPr lang="en-US" dirty="0"/>
-              <a:t>FUTURE IMPROVEMENTS</a:t>
+              <a:t>FUTURE PLANS</a:t>
             </a:r>
             <a:endParaRPr lang="en-150" dirty="0"/>
           </a:p>
@@ -4765,6 +5019,110 @@
     <p:extLst>
       <p:ext uri="{BB962C8B-B14F-4D97-AF65-F5344CB8AC3E}">
         <p14:creationId xmlns:p14="http://schemas.microsoft.com/office/powerpoint/2010/main" val="2396110571"/>
+      </p:ext>
+    </p:extLst>
+  </p:cSld>
+  <p:clrMapOvr>
+    <a:masterClrMapping/>
+  </p:clrMapOvr>
+</p:sld>
+</file>
+
+<file path=ppt/slides/slide8.xml><?xml version="1.0" encoding="utf-8"?>
+<p:sld xmlns:a="http://schemas.openxmlformats.org/drawingml/2006/main" xmlns:r="http://schemas.openxmlformats.org/officeDocument/2006/relationships" xmlns:p="http://schemas.openxmlformats.org/presentationml/2006/main">
+  <p:cSld>
+    <p:spTree>
+      <p:nvGrpSpPr>
+        <p:cNvPr id="1" name=""/>
+        <p:cNvGrpSpPr/>
+        <p:nvPr/>
+      </p:nvGrpSpPr>
+      <p:grpSpPr>
+        <a:xfrm>
+          <a:off x="0" y="0"/>
+          <a:ext cx="0" cy="0"/>
+          <a:chOff x="0" y="0"/>
+          <a:chExt cx="0" cy="0"/>
+        </a:xfrm>
+      </p:grpSpPr>
+      <p:sp>
+        <p:nvSpPr>
+          <p:cNvPr id="2" name="Title 1">
+            <a:extLst>
+              <a:ext uri="{FF2B5EF4-FFF2-40B4-BE49-F238E27FC236}">
+                <a16:creationId xmlns:a16="http://schemas.microsoft.com/office/drawing/2014/main" id="{271F80E3-8B95-635B-BC7F-56CEB97B3D88}"/>
+              </a:ext>
+            </a:extLst>
+          </p:cNvPr>
+          <p:cNvSpPr>
+            <a:spLocks noGrp="1"/>
+          </p:cNvSpPr>
+          <p:nvPr>
+            <p:ph type="title"/>
+          </p:nvPr>
+        </p:nvSpPr>
+        <p:spPr/>
+        <p:txBody>
+          <a:bodyPr/>
+          <a:lstStyle/>
+          <a:p>
+            <a:r>
+              <a:rPr lang="en-US" dirty="0"/>
+              <a:t>Conclusions</a:t>
+            </a:r>
+          </a:p>
+        </p:txBody>
+      </p:sp>
+      <p:sp>
+        <p:nvSpPr>
+          <p:cNvPr id="3" name="Content Placeholder 2">
+            <a:extLst>
+              <a:ext uri="{FF2B5EF4-FFF2-40B4-BE49-F238E27FC236}">
+                <a16:creationId xmlns:a16="http://schemas.microsoft.com/office/drawing/2014/main" id="{45AAC926-2077-05BC-9950-79AAE6345974}"/>
+              </a:ext>
+            </a:extLst>
+          </p:cNvPr>
+          <p:cNvSpPr>
+            <a:spLocks noGrp="1"/>
+          </p:cNvSpPr>
+          <p:nvPr>
+            <p:ph idx="1"/>
+          </p:nvPr>
+        </p:nvSpPr>
+        <p:spPr/>
+        <p:txBody>
+          <a:bodyPr/>
+          <a:lstStyle/>
+          <a:p>
+            <a:r>
+              <a:rPr lang="en-US" dirty="0"/>
+              <a:t>We tried using Tiny YOLO but the training seemed to be complicated and inaccurate.</a:t>
+            </a:r>
+          </a:p>
+          <a:p>
+            <a:r>
+              <a:rPr lang="en-US" dirty="0"/>
+              <a:t>We tried different epochs, batch sizes, image sizes until we found the sweet spot for the model.</a:t>
+            </a:r>
+          </a:p>
+          <a:p>
+            <a:r>
+              <a:rPr lang="en-US" dirty="0"/>
+              <a:t>The integration of the model in the backend was challenging because of the installation of dependencies.</a:t>
+            </a:r>
+          </a:p>
+          <a:p>
+            <a:r>
+              <a:rPr lang="en-US" dirty="0"/>
+              <a:t>The deployment of the application was relatively fast.</a:t>
+            </a:r>
+          </a:p>
+        </p:txBody>
+      </p:sp>
+    </p:spTree>
+    <p:extLst>
+      <p:ext uri="{BB962C8B-B14F-4D97-AF65-F5344CB8AC3E}">
+        <p14:creationId xmlns:p14="http://schemas.microsoft.com/office/powerpoint/2010/main" val="105349053"/>
       </p:ext>
     </p:extLst>
   </p:cSld>

--- a/Report/Traffic sign detection.pptx
+++ b/Report/Traffic sign detection.pptx
@@ -4524,30 +4524,34 @@
             <p:ph type="title"/>
           </p:nvPr>
         </p:nvSpPr>
-        <p:spPr/>
+        <p:spPr>
+          <a:xfrm>
+            <a:off x="581191" y="492301"/>
+            <a:ext cx="11029616" cy="1013800"/>
+          </a:xfrm>
+        </p:spPr>
         <p:txBody>
           <a:bodyPr/>
           <a:lstStyle/>
           <a:p>
-            <a:endParaRPr lang="en-150"/>
+            <a:endParaRPr lang="en-150" dirty="0"/>
           </a:p>
         </p:txBody>
       </p:sp>
       <p:pic>
         <p:nvPicPr>
-          <p:cNvPr id="4" name="2023-12-12_23-07-00">
+          <p:cNvPr id="6" name="2024-01-15_22-15-24">
             <a:hlinkClick r:id="" action="ppaction://media"/>
             <a:extLst>
               <a:ext uri="{FF2B5EF4-FFF2-40B4-BE49-F238E27FC236}">
-                <a16:creationId xmlns:a16="http://schemas.microsoft.com/office/drawing/2014/main" id="{D811778F-602B-9602-7AAB-AFBB99AC703D}"/>
+                <a16:creationId xmlns:a16="http://schemas.microsoft.com/office/drawing/2014/main" id="{17253AEE-4885-A5AD-97FA-CC34F1705A3A}"/>
               </a:ext>
             </a:extLst>
           </p:cNvPr>
           <p:cNvPicPr>
-            <a:picLocks noGrp="1" noChangeAspect="1"/>
+            <a:picLocks noChangeAspect="1"/>
           </p:cNvPicPr>
           <p:nvPr>
-            <p:ph idx="1"/>
             <a:videoFile r:link="rId2"/>
             <p:extLst>
               <p:ext uri="{DAA4B4D4-6D71-4841-9C94-3DE7FCFB9230}">
@@ -4564,11 +4568,39 @@
         </p:blipFill>
         <p:spPr>
           <a:xfrm>
-            <a:off x="581192" y="570451"/>
-            <a:ext cx="11029616" cy="6204327"/>
-          </a:xfrm>
+            <a:off x="1181914" y="1124896"/>
+            <a:ext cx="9452957" cy="5317288"/>
+          </a:xfrm>
+          <a:prstGeom prst="rect">
+            <a:avLst/>
+          </a:prstGeom>
         </p:spPr>
       </p:pic>
+      <p:sp>
+        <p:nvSpPr>
+          <p:cNvPr id="8" name="Content Placeholder 7">
+            <a:extLst>
+              <a:ext uri="{FF2B5EF4-FFF2-40B4-BE49-F238E27FC236}">
+                <a16:creationId xmlns:a16="http://schemas.microsoft.com/office/drawing/2014/main" id="{209C73A9-2010-18A6-C461-868AE6E16B22}"/>
+              </a:ext>
+            </a:extLst>
+          </p:cNvPr>
+          <p:cNvSpPr>
+            <a:spLocks noGrp="1"/>
+          </p:cNvSpPr>
+          <p:nvPr>
+            <p:ph idx="1"/>
+          </p:nvPr>
+        </p:nvSpPr>
+        <p:spPr/>
+        <p:txBody>
+          <a:bodyPr/>
+          <a:lstStyle/>
+          <a:p>
+            <a:endParaRPr lang="en-US" dirty="0"/>
+          </a:p>
+        </p:txBody>
+      </p:sp>
     </p:spTree>
     <p:extLst>
       <p:ext uri="{BB962C8B-B14F-4D97-AF65-F5344CB8AC3E}">
@@ -4607,9 +4639,9 @@
                                   <p:childTnLst>
                                     <p:cmd type="call" cmd="playFrom(0.0)">
                                       <p:cBhvr>
-                                        <p:cTn id="6" dur="15750" fill="hold"/>
+                                        <p:cTn id="6" dur="46817" fill="hold"/>
                                         <p:tgtEl>
-                                          <p:spTgt spid="4"/>
+                                          <p:spTgt spid="6"/>
                                         </p:tgtEl>
                                       </p:cBhvr>
                                     </p:cmd>
@@ -4647,7 +4679,7 @@
                   </p:stCondLst>
                 </p:cTn>
                 <p:tgtEl>
-                  <p:spTgt spid="4"/>
+                  <p:spTgt spid="6"/>
                 </p:tgtEl>
               </p:cMediaNode>
             </p:video>
@@ -4656,7 +4688,7 @@
                 <p:stCondLst>
                   <p:cond evt="onClick" delay="0">
                     <p:tgtEl>
-                      <p:spTgt spid="4"/>
+                      <p:spTgt spid="6"/>
                     </p:tgtEl>
                   </p:cond>
                 </p:stCondLst>
@@ -4686,7 +4718,7 @@
                                       <p:cBhvr>
                                         <p:cTn id="12" dur="1" fill="hold"/>
                                         <p:tgtEl>
-                                          <p:spTgt spid="4"/>
+                                          <p:spTgt spid="6"/>
                                         </p:tgtEl>
                                       </p:cBhvr>
                                     </p:cmd>
@@ -4704,7 +4736,7 @@
               <p:nextCondLst>
                 <p:cond evt="onClick" delay="0">
                   <p:tgtEl>
-                    <p:spTgt spid="4"/>
+                    <p:spTgt spid="6"/>
                   </p:tgtEl>
                 </p:cond>
               </p:nextCondLst>
